--- a/200108/GItHub사용법소개_수정.pptx
+++ b/200108/GItHub사용법소개_수정.pptx
@@ -2,7 +2,7 @@
 <file path=ppt/presentation.xml><?xml version="1.0" encoding="utf-8"?>
 <p:presentation xmlns:r="http://schemas.openxmlformats.org/officeDocument/2006/relationships" xmlns:c="http://schemas.openxmlformats.org/drawingml/2006/chart" xmlns:a="http://schemas.openxmlformats.org/drawingml/2006/main" xmlns:dgm="http://schemas.openxmlformats.org/drawingml/2006/diagram" xmlns:dsp="http://schemas.microsoft.com/office/drawing/2008/diagram" xmlns:p="http://schemas.openxmlformats.org/presentationml/2006/main" saveSubsetFonts="1">
   <p:sldMasterIdLst>
-    <p:sldMasterId id="2147483776" r:id="rId1"/>
+    <p:sldMasterId id="2147483722" r:id="rId1"/>
   </p:sldMasterIdLst>
   <p:notesMasterIdLst>
     <p:notesMasterId r:id="rId2"/>
@@ -720,6 +720,206 @@
     </a:lvl9pPr>
   </p:notesStyle>
 </p:notesMaster>
+</file>
+
+<file path=ppt/notesSlides/notesSlide1.xml><?xml version="1.0" encoding="utf-8"?>
+<p:notes xmlns:r="http://schemas.openxmlformats.org/officeDocument/2006/relationships" xmlns:c="http://schemas.openxmlformats.org/drawingml/2006/chart" xmlns:a="http://schemas.openxmlformats.org/drawingml/2006/main" xmlns:dgm="http://schemas.openxmlformats.org/drawingml/2006/diagram" xmlns:dsp="http://schemas.microsoft.com/office/drawing/2008/diagram" xmlns:p="http://schemas.openxmlformats.org/presentationml/2006/main">
+  <p:cSld>
+    <p:spTree>
+      <p:nvGrpSpPr>
+        <p:cNvPr id="1" name=""/>
+        <p:cNvGrpSpPr/>
+        <p:nvPr/>
+      </p:nvGrpSpPr>
+      <p:grpSpPr>
+        <a:xfrm>
+          <a:off x="0" y="0"/>
+          <a:ext cx="0" cy="0"/>
+          <a:chOff x="0" y="0"/>
+          <a:chExt cx="0" cy="0"/>
+        </a:xfrm>
+      </p:grpSpPr>
+      <p:sp>
+        <p:nvSpPr>
+          <p:cNvPr id="2" name="슬라이드 이미지 개체 틀 3"/>
+          <p:cNvSpPr>
+            <a:spLocks noGrp="1" noRot="1" noChangeAspect="1" noTextEdit="1"/>
+          </p:cNvSpPr>
+          <p:nvPr>
+            <p:ph type="sldImg" idx="2"/>
+          </p:nvPr>
+        </p:nvSpPr>
+        <p:spPr/>
+        <p:txBody>
+          <a:bodyPr/>
+          <a:lstStyle/>
+          <a:p>
+            <a:pPr>
+              <a:defRPr/>
+            </a:pPr>
+            <a:endParaRPr lang="ko-KR" altLang="en-US"/>
+          </a:p>
+        </p:txBody>
+      </p:sp>
+      <p:sp>
+        <p:nvSpPr>
+          <p:cNvPr id="3" name="슬라이드 노트 개체 틀 4"/>
+          <p:cNvSpPr>
+            <a:spLocks noGrp="1"/>
+          </p:cNvSpPr>
+          <p:nvPr>
+            <p:ph type="body" sz="quarter" idx="3"/>
+          </p:nvPr>
+        </p:nvSpPr>
+        <p:spPr/>
+        <p:txBody>
+          <a:bodyPr/>
+          <a:lstStyle/>
+          <a:p>
+            <a:pPr>
+              <a:defRPr/>
+            </a:pPr>
+            <a:r>
+              <a:rPr lang="ko-KR" altLang="en-US"/>
+              <a:t/>
+            </a:r>
+            <a:endParaRPr lang="ko-KR" altLang="en-US"/>
+          </a:p>
+        </p:txBody>
+      </p:sp>
+      <p:sp>
+        <p:nvSpPr>
+          <p:cNvPr id="4" name="슬라이드 번호 개체 틀 6"/>
+          <p:cNvSpPr>
+            <a:spLocks noGrp="1"/>
+          </p:cNvSpPr>
+          <p:nvPr>
+            <p:ph type="sldNum" sz="quarter" idx="5"/>
+          </p:nvPr>
+        </p:nvSpPr>
+        <p:spPr/>
+        <p:txBody>
+          <a:bodyPr/>
+          <a:lstStyle/>
+          <a:p>
+            <a:pPr lvl="0">
+              <a:defRPr/>
+            </a:pPr>
+            <a:fld id="{8F8D56DB-D808-478E-8624-F84E557D3424}" type="slidenum">
+              <a:rPr lang="en-US" altLang="en-US"/>
+              <a:pPr lvl="0">
+                <a:defRPr/>
+              </a:pPr>
+              <a:t>28</a:t>
+            </a:fld>
+            <a:endParaRPr lang="en-US" altLang="en-US"/>
+          </a:p>
+        </p:txBody>
+      </p:sp>
+    </p:spTree>
+  </p:cSld>
+  <p:clrMapOvr>
+    <a:masterClrMapping/>
+  </p:clrMapOvr>
+</p:notes>
+</file>
+
+<file path=ppt/notesSlides/notesSlide2.xml><?xml version="1.0" encoding="utf-8"?>
+<p:notes xmlns:r="http://schemas.openxmlformats.org/officeDocument/2006/relationships" xmlns:c="http://schemas.openxmlformats.org/drawingml/2006/chart" xmlns:a="http://schemas.openxmlformats.org/drawingml/2006/main" xmlns:dgm="http://schemas.openxmlformats.org/drawingml/2006/diagram" xmlns:dsp="http://schemas.microsoft.com/office/drawing/2008/diagram" xmlns:p="http://schemas.openxmlformats.org/presentationml/2006/main">
+  <p:cSld>
+    <p:spTree>
+      <p:nvGrpSpPr>
+        <p:cNvPr id="1" name=""/>
+        <p:cNvGrpSpPr/>
+        <p:nvPr/>
+      </p:nvGrpSpPr>
+      <p:grpSpPr>
+        <a:xfrm>
+          <a:off x="0" y="0"/>
+          <a:ext cx="0" cy="0"/>
+          <a:chOff x="0" y="0"/>
+          <a:chExt cx="0" cy="0"/>
+        </a:xfrm>
+      </p:grpSpPr>
+      <p:sp>
+        <p:nvSpPr>
+          <p:cNvPr id="2" name="슬라이드 이미지 개체 틀 3"/>
+          <p:cNvSpPr>
+            <a:spLocks noGrp="1" noRot="1" noChangeAspect="1" noTextEdit="1"/>
+          </p:cNvSpPr>
+          <p:nvPr>
+            <p:ph type="sldImg" idx="2"/>
+          </p:nvPr>
+        </p:nvSpPr>
+        <p:spPr/>
+        <p:txBody>
+          <a:bodyPr/>
+          <a:lstStyle/>
+          <a:p>
+            <a:pPr>
+              <a:defRPr/>
+            </a:pPr>
+            <a:endParaRPr lang="ko-KR" altLang="en-US"/>
+          </a:p>
+        </p:txBody>
+      </p:sp>
+      <p:sp>
+        <p:nvSpPr>
+          <p:cNvPr id="3" name="슬라이드 노트 개체 틀 4"/>
+          <p:cNvSpPr>
+            <a:spLocks noGrp="1"/>
+          </p:cNvSpPr>
+          <p:nvPr>
+            <p:ph type="body" sz="quarter" idx="3"/>
+          </p:nvPr>
+        </p:nvSpPr>
+        <p:spPr/>
+        <p:txBody>
+          <a:bodyPr/>
+          <a:lstStyle/>
+          <a:p>
+            <a:pPr>
+              <a:defRPr/>
+            </a:pPr>
+            <a:endParaRPr lang="ko-KR" altLang="en-US"/>
+          </a:p>
+        </p:txBody>
+      </p:sp>
+      <p:sp>
+        <p:nvSpPr>
+          <p:cNvPr id="4" name="슬라이드 번호 개체 틀 6"/>
+          <p:cNvSpPr>
+            <a:spLocks noGrp="1"/>
+          </p:cNvSpPr>
+          <p:nvPr>
+            <p:ph type="sldNum" sz="quarter" idx="5"/>
+          </p:nvPr>
+        </p:nvSpPr>
+        <p:spPr/>
+        <p:txBody>
+          <a:bodyPr/>
+          <a:lstStyle/>
+          <a:p>
+            <a:pPr lvl="0">
+              <a:defRPr/>
+            </a:pPr>
+            <a:fld id="{8F8D56DB-D808-478E-8624-F84E557D3424}" type="slidenum">
+              <a:rPr lang="en-US" altLang="en-US"/>
+              <a:pPr lvl="0">
+                <a:defRPr/>
+              </a:pPr>
+              <a:t>30</a:t>
+            </a:fld>
+            <a:endParaRPr lang="en-US" altLang="en-US"/>
+          </a:p>
+        </p:txBody>
+      </p:sp>
+    </p:spTree>
+  </p:cSld>
+  <p:clrMapOvr>
+    <a:masterClrMapping/>
+  </p:clrMapOvr>
+</p:notes>
 </file>
 
 <file path=ppt/slideLayouts/slideLayout1.xml><?xml version="1.0" encoding="utf-8"?>
@@ -14341,7 +14541,7 @@
           <p:nvPr/>
         </p:nvPicPr>
         <p:blipFill rotWithShape="1">
-          <a:blip r:embed="rId2"/>
+          <a:blip r:embed="rId3"/>
           <a:stretch>
             <a:fillRect/>
           </a:stretch>
@@ -14365,7 +14565,7 @@
           <p:nvPr/>
         </p:nvPicPr>
         <p:blipFill rotWithShape="1">
-          <a:blip r:embed="rId3"/>
+          <a:blip r:embed="rId4"/>
           <a:stretch>
             <a:fillRect/>
           </a:stretch>
@@ -14388,8 +14588,8 @@
         </p:nvSpPr>
         <p:spPr>
           <a:xfrm>
-            <a:off x="6133047" y="326720"/>
-            <a:ext cx="6058951" cy="576250"/>
+            <a:off x="6133046" y="326720"/>
+            <a:ext cx="6058952" cy="576250"/>
           </a:xfrm>
           <a:prstGeom prst="rect">
             <a:avLst/>
@@ -16062,7 +16262,7 @@
           <p:nvPr/>
         </p:nvPicPr>
         <p:blipFill rotWithShape="1">
-          <a:blip r:embed="rId2"/>
+          <a:blip r:embed="rId3"/>
           <a:stretch>
             <a:fillRect/>
           </a:stretch>
@@ -16086,7 +16286,7 @@
           <p:nvPr/>
         </p:nvPicPr>
         <p:blipFill rotWithShape="1">
-          <a:blip r:embed="rId3"/>
+          <a:blip r:embed="rId4"/>
           <a:stretch>
             <a:fillRect/>
           </a:stretch>
@@ -16678,111 +16878,9 @@
   <p:timing>
     <p:tnLst>
       <p:par>
-        <p:cTn id="1" dur="indefinite" restart="never" nodeType="tmRoot">
-          <p:childTnLst>
-            <p:seq concurrent="1" nextAc="seek">
-              <p:cTn id="2" dur="indefinite" nodeType="mainSeq">
-                <p:childTnLst>
-                  <p:par>
-                    <p:cTn id="3" fill="hold">
-                      <p:stCondLst>
-                        <p:cond delay="indefinite"/>
-                        <p:cond evt="onBegin" delay="0">
-                          <p:tn val="2"/>
-                        </p:cond>
-                      </p:stCondLst>
-                      <p:childTnLst>
-                        <p:par>
-                          <p:cTn id="4" fill="hold">
-                            <p:stCondLst>
-                              <p:cond delay="0"/>
-                            </p:stCondLst>
-                            <p:childTnLst>
-                              <p:par>
-                                <p:cTn id="5" presetID="1" presetClass="entr" presetSubtype="0" fill="hold" grpId="0" nodeType="withEffect">
-                                  <p:stCondLst>
-                                    <p:cond delay="0"/>
-                                  </p:stCondLst>
-                                  <p:childTnLst>
-                                    <p:set>
-                                      <p:cBhvr>
-                                        <p:cTn id="6" dur="1" fill="hold">
-                                          <p:stCondLst>
-                                            <p:cond delay="0"/>
-                                          </p:stCondLst>
-                                        </p:cTn>
-                                        <p:tgtEl>
-                                          <p:spTgt spid="37"/>
-                                        </p:tgtEl>
-                                        <p:attrNameLst>
-                                          <p:attrName>style.visibility</p:attrName>
-                                        </p:attrNameLst>
-                                      </p:cBhvr>
-                                      <p:to>
-                                        <p:strVal val="visible"/>
-                                      </p:to>
-                                    </p:set>
-                                  </p:childTnLst>
-                                </p:cTn>
-                              </p:par>
-                              <p:par>
-                                <p:cTn id="7" presetID="1" presetClass="entr" presetSubtype="0" fill="hold" grpId="1" nodeType="withEffect">
-                                  <p:stCondLst>
-                                    <p:cond delay="0"/>
-                                  </p:stCondLst>
-                                  <p:childTnLst>
-                                    <p:set>
-                                      <p:cBhvr>
-                                        <p:cTn id="8" dur="1" fill="hold">
-                                          <p:stCondLst>
-                                            <p:cond delay="0"/>
-                                          </p:stCondLst>
-                                        </p:cTn>
-                                        <p:tgtEl>
-                                          <p:spTgt spid="39"/>
-                                        </p:tgtEl>
-                                        <p:attrNameLst>
-                                          <p:attrName>style.visibility</p:attrName>
-                                        </p:attrNameLst>
-                                      </p:cBhvr>
-                                      <p:to>
-                                        <p:strVal val="visible"/>
-                                      </p:to>
-                                    </p:set>
-                                  </p:childTnLst>
-                                </p:cTn>
-                              </p:par>
-                            </p:childTnLst>
-                          </p:cTn>
-                        </p:par>
-                      </p:childTnLst>
-                    </p:cTn>
-                  </p:par>
-                </p:childTnLst>
-              </p:cTn>
-              <p:prevCondLst>
-                <p:cond evt="onPrev" delay="0">
-                  <p:tgtEl>
-                    <p:sldTgt/>
-                  </p:tgtEl>
-                </p:cond>
-              </p:prevCondLst>
-              <p:nextCondLst>
-                <p:cond evt="onNext" delay="0">
-                  <p:tgtEl>
-                    <p:sldTgt/>
-                  </p:tgtEl>
-                </p:cond>
-              </p:nextCondLst>
-            </p:seq>
-          </p:childTnLst>
-        </p:cTn>
+        <p:cTn id="1" dur="indefinite" restart="never" nodeType="tmRoot"/>
       </p:par>
     </p:tnLst>
-    <p:bldLst>
-      <p:bldP spid="37" grpId="0" animBg="1"/>
-      <p:bldP spid="39" grpId="1" animBg="1"/>
-    </p:bldLst>
   </p:timing>
 </p:sld>
 </file>
@@ -17645,111 +17743,9 @@
   <p:timing>
     <p:tnLst>
       <p:par>
-        <p:cTn id="1" dur="indefinite" restart="never" nodeType="tmRoot">
-          <p:childTnLst>
-            <p:seq concurrent="1" nextAc="seek">
-              <p:cTn id="2" dur="indefinite" nodeType="mainSeq">
-                <p:childTnLst>
-                  <p:par>
-                    <p:cTn id="3" fill="hold">
-                      <p:stCondLst>
-                        <p:cond delay="indefinite"/>
-                        <p:cond evt="onBegin" delay="0">
-                          <p:tn val="2"/>
-                        </p:cond>
-                      </p:stCondLst>
-                      <p:childTnLst>
-                        <p:par>
-                          <p:cTn id="4" fill="hold">
-                            <p:stCondLst>
-                              <p:cond delay="0"/>
-                            </p:stCondLst>
-                            <p:childTnLst>
-                              <p:par>
-                                <p:cTn id="5" presetID="1" presetClass="entr" presetSubtype="0" fill="hold" grpId="0" nodeType="withEffect">
-                                  <p:stCondLst>
-                                    <p:cond delay="0"/>
-                                  </p:stCondLst>
-                                  <p:childTnLst>
-                                    <p:set>
-                                      <p:cBhvr>
-                                        <p:cTn id="6" dur="1" fill="hold">
-                                          <p:stCondLst>
-                                            <p:cond delay="0"/>
-                                          </p:stCondLst>
-                                        </p:cTn>
-                                        <p:tgtEl>
-                                          <p:spTgt spid="32"/>
-                                        </p:tgtEl>
-                                        <p:attrNameLst>
-                                          <p:attrName>style.visibility</p:attrName>
-                                        </p:attrNameLst>
-                                      </p:cBhvr>
-                                      <p:to>
-                                        <p:strVal val="visible"/>
-                                      </p:to>
-                                    </p:set>
-                                  </p:childTnLst>
-                                </p:cTn>
-                              </p:par>
-                              <p:par>
-                                <p:cTn id="7" presetID="1" presetClass="entr" presetSubtype="0" fill="hold" grpId="1" nodeType="withEffect">
-                                  <p:stCondLst>
-                                    <p:cond delay="0"/>
-                                  </p:stCondLst>
-                                  <p:childTnLst>
-                                    <p:set>
-                                      <p:cBhvr>
-                                        <p:cTn id="8" dur="1" fill="hold">
-                                          <p:stCondLst>
-                                            <p:cond delay="0"/>
-                                          </p:stCondLst>
-                                        </p:cTn>
-                                        <p:tgtEl>
-                                          <p:spTgt spid="34"/>
-                                        </p:tgtEl>
-                                        <p:attrNameLst>
-                                          <p:attrName>style.visibility</p:attrName>
-                                        </p:attrNameLst>
-                                      </p:cBhvr>
-                                      <p:to>
-                                        <p:strVal val="visible"/>
-                                      </p:to>
-                                    </p:set>
-                                  </p:childTnLst>
-                                </p:cTn>
-                              </p:par>
-                            </p:childTnLst>
-                          </p:cTn>
-                        </p:par>
-                      </p:childTnLst>
-                    </p:cTn>
-                  </p:par>
-                </p:childTnLst>
-              </p:cTn>
-              <p:prevCondLst>
-                <p:cond evt="onPrev" delay="0">
-                  <p:tgtEl>
-                    <p:sldTgt/>
-                  </p:tgtEl>
-                </p:cond>
-              </p:prevCondLst>
-              <p:nextCondLst>
-                <p:cond evt="onNext" delay="0">
-                  <p:tgtEl>
-                    <p:sldTgt/>
-                  </p:tgtEl>
-                </p:cond>
-              </p:nextCondLst>
-            </p:seq>
-          </p:childTnLst>
-        </p:cTn>
+        <p:cTn id="1" dur="indefinite" restart="never" nodeType="tmRoot"/>
       </p:par>
     </p:tnLst>
-    <p:bldLst>
-      <p:bldP spid="32" grpId="0" animBg="1"/>
-      <p:bldP spid="34" grpId="1" animBg="1"/>
-    </p:bldLst>
   </p:timing>
 </p:sld>
 </file>
